--- a/images/image editor.pptx
+++ b/images/image editor.pptx
@@ -6,9 +6,10 @@
   </p:sldMasterIdLst>
   <p:sldIdLst>
     <p:sldId id="256" r:id="rId2"/>
-    <p:sldId id="257" r:id="rId3"/>
-    <p:sldId id="258" r:id="rId4"/>
-    <p:sldId id="259" r:id="rId5"/>
+    <p:sldId id="260" r:id="rId3"/>
+    <p:sldId id="257" r:id="rId4"/>
+    <p:sldId id="258" r:id="rId5"/>
+    <p:sldId id="259" r:id="rId6"/>
   </p:sldIdLst>
   <p:sldSz cx="12192000" cy="6858000"/>
   <p:notesSz cx="6858000" cy="9144000"/>
@@ -107,6 +108,11 @@
       </a:defRPr>
     </a:lvl9pPr>
   </p:defaultTextStyle>
+  <p:extLst>
+    <p:ext uri="{EFAFB233-063F-42B5-8137-9DF3F51BA10A}">
+      <p15:sldGuideLst xmlns:p15="http://schemas.microsoft.com/office/powerpoint/2012/main"/>
+    </p:ext>
+  </p:extLst>
 </p:presentation>
 </file>
 
@@ -257,7 +263,7 @@
           <a:p>
             <a:fld id="{27979BAD-5B49-4781-97E6-6AAF72B50E0E}" type="datetimeFigureOut">
               <a:rPr lang="en-US" smtClean="0"/>
-              <a:t>1/7/2026</a:t>
+              <a:t>1/8/2026</a:t>
             </a:fld>
             <a:endParaRPr lang="en-US"/>
           </a:p>
@@ -455,7 +461,7 @@
           <a:p>
             <a:fld id="{27979BAD-5B49-4781-97E6-6AAF72B50E0E}" type="datetimeFigureOut">
               <a:rPr lang="en-US" smtClean="0"/>
-              <a:t>1/7/2026</a:t>
+              <a:t>1/8/2026</a:t>
             </a:fld>
             <a:endParaRPr lang="en-US"/>
           </a:p>
@@ -663,7 +669,7 @@
           <a:p>
             <a:fld id="{27979BAD-5B49-4781-97E6-6AAF72B50E0E}" type="datetimeFigureOut">
               <a:rPr lang="en-US" smtClean="0"/>
-              <a:t>1/7/2026</a:t>
+              <a:t>1/8/2026</a:t>
             </a:fld>
             <a:endParaRPr lang="en-US"/>
           </a:p>
@@ -861,7 +867,7 @@
           <a:p>
             <a:fld id="{27979BAD-5B49-4781-97E6-6AAF72B50E0E}" type="datetimeFigureOut">
               <a:rPr lang="en-US" smtClean="0"/>
-              <a:t>1/7/2026</a:t>
+              <a:t>1/8/2026</a:t>
             </a:fld>
             <a:endParaRPr lang="en-US"/>
           </a:p>
@@ -1136,7 +1142,7 @@
           <a:p>
             <a:fld id="{27979BAD-5B49-4781-97E6-6AAF72B50E0E}" type="datetimeFigureOut">
               <a:rPr lang="en-US" smtClean="0"/>
-              <a:t>1/7/2026</a:t>
+              <a:t>1/8/2026</a:t>
             </a:fld>
             <a:endParaRPr lang="en-US"/>
           </a:p>
@@ -1401,7 +1407,7 @@
           <a:p>
             <a:fld id="{27979BAD-5B49-4781-97E6-6AAF72B50E0E}" type="datetimeFigureOut">
               <a:rPr lang="en-US" smtClean="0"/>
-              <a:t>1/7/2026</a:t>
+              <a:t>1/8/2026</a:t>
             </a:fld>
             <a:endParaRPr lang="en-US"/>
           </a:p>
@@ -1813,7 +1819,7 @@
           <a:p>
             <a:fld id="{27979BAD-5B49-4781-97E6-6AAF72B50E0E}" type="datetimeFigureOut">
               <a:rPr lang="en-US" smtClean="0"/>
-              <a:t>1/7/2026</a:t>
+              <a:t>1/8/2026</a:t>
             </a:fld>
             <a:endParaRPr lang="en-US"/>
           </a:p>
@@ -1954,7 +1960,7 @@
           <a:p>
             <a:fld id="{27979BAD-5B49-4781-97E6-6AAF72B50E0E}" type="datetimeFigureOut">
               <a:rPr lang="en-US" smtClean="0"/>
-              <a:t>1/7/2026</a:t>
+              <a:t>1/8/2026</a:t>
             </a:fld>
             <a:endParaRPr lang="en-US"/>
           </a:p>
@@ -2067,7 +2073,7 @@
           <a:p>
             <a:fld id="{27979BAD-5B49-4781-97E6-6AAF72B50E0E}" type="datetimeFigureOut">
               <a:rPr lang="en-US" smtClean="0"/>
-              <a:t>1/7/2026</a:t>
+              <a:t>1/8/2026</a:t>
             </a:fld>
             <a:endParaRPr lang="en-US"/>
           </a:p>
@@ -2378,7 +2384,7 @@
           <a:p>
             <a:fld id="{27979BAD-5B49-4781-97E6-6AAF72B50E0E}" type="datetimeFigureOut">
               <a:rPr lang="en-US" smtClean="0"/>
-              <a:t>1/7/2026</a:t>
+              <a:t>1/8/2026</a:t>
             </a:fld>
             <a:endParaRPr lang="en-US"/>
           </a:p>
@@ -2666,7 +2672,7 @@
           <a:p>
             <a:fld id="{27979BAD-5B49-4781-97E6-6AAF72B50E0E}" type="datetimeFigureOut">
               <a:rPr lang="en-US" smtClean="0"/>
-              <a:t>1/7/2026</a:t>
+              <a:t>1/8/2026</a:t>
             </a:fld>
             <a:endParaRPr lang="en-US"/>
           </a:p>
@@ -2907,7 +2913,7 @@
           <a:p>
             <a:fld id="{27979BAD-5B49-4781-97E6-6AAF72B50E0E}" type="datetimeFigureOut">
               <a:rPr lang="en-US" smtClean="0"/>
-              <a:t>1/7/2026</a:t>
+              <a:t>1/8/2026</a:t>
             </a:fld>
             <a:endParaRPr lang="en-US"/>
           </a:p>
@@ -4444,6 +4450,551 @@
           <a:chExt cx="0" cy="0"/>
         </a:xfrm>
       </p:grpSpPr>
+      <p:sp>
+        <p:nvSpPr>
+          <p:cNvPr id="4" name="TextBox 3">
+            <a:extLst>
+              <a:ext uri="{FF2B5EF4-FFF2-40B4-BE49-F238E27FC236}">
+                <a16:creationId xmlns:a16="http://schemas.microsoft.com/office/drawing/2014/main" id="{062AA751-0899-D395-257A-89B2609A3252}"/>
+              </a:ext>
+            </a:extLst>
+          </p:cNvPr>
+          <p:cNvSpPr txBox="1"/>
+          <p:nvPr/>
+        </p:nvSpPr>
+        <p:spPr>
+          <a:xfrm>
+            <a:off x="7044267" y="3733800"/>
+            <a:ext cx="1707519" cy="369332"/>
+          </a:xfrm>
+          <a:prstGeom prst="rect">
+            <a:avLst/>
+          </a:prstGeom>
+          <a:noFill/>
+          <a:ln w="38100">
+            <a:solidFill>
+              <a:schemeClr val="tx1"/>
+            </a:solidFill>
+          </a:ln>
+        </p:spPr>
+        <p:txBody>
+          <a:bodyPr wrap="none" rtlCol="0">
+            <a:spAutoFit/>
+          </a:bodyPr>
+          <a:lstStyle/>
+          <a:p>
+            <a:r>
+              <a:rPr lang="en-US" dirty="0"/>
+              <a:t>Display Service</a:t>
+            </a:r>
+          </a:p>
+        </p:txBody>
+      </p:sp>
+      <p:sp>
+        <p:nvSpPr>
+          <p:cNvPr id="5" name="TextBox 4">
+            <a:extLst>
+              <a:ext uri="{FF2B5EF4-FFF2-40B4-BE49-F238E27FC236}">
+                <a16:creationId xmlns:a16="http://schemas.microsoft.com/office/drawing/2014/main" id="{A09424DF-C0E0-6DF8-ABFF-EEA47824CA0C}"/>
+              </a:ext>
+            </a:extLst>
+          </p:cNvPr>
+          <p:cNvSpPr txBox="1"/>
+          <p:nvPr/>
+        </p:nvSpPr>
+        <p:spPr>
+          <a:xfrm>
+            <a:off x="3561081" y="3733800"/>
+            <a:ext cx="1723613" cy="369332"/>
+          </a:xfrm>
+          <a:prstGeom prst="rect">
+            <a:avLst/>
+          </a:prstGeom>
+          <a:noFill/>
+          <a:ln w="38100">
+            <a:solidFill>
+              <a:schemeClr val="tx1"/>
+            </a:solidFill>
+          </a:ln>
+        </p:spPr>
+        <p:txBody>
+          <a:bodyPr wrap="none" rtlCol="0">
+            <a:spAutoFit/>
+          </a:bodyPr>
+          <a:lstStyle/>
+          <a:p>
+            <a:r>
+              <a:rPr lang="en-US" dirty="0"/>
+              <a:t>Volume Service</a:t>
+            </a:r>
+          </a:p>
+        </p:txBody>
+      </p:sp>
+      <p:sp>
+        <p:nvSpPr>
+          <p:cNvPr id="6" name="TextBox 5">
+            <a:extLst>
+              <a:ext uri="{FF2B5EF4-FFF2-40B4-BE49-F238E27FC236}">
+                <a16:creationId xmlns:a16="http://schemas.microsoft.com/office/drawing/2014/main" id="{24371758-D66D-B69A-5224-B11F42B6B69E}"/>
+              </a:ext>
+            </a:extLst>
+          </p:cNvPr>
+          <p:cNvSpPr txBox="1"/>
+          <p:nvPr/>
+        </p:nvSpPr>
+        <p:spPr>
+          <a:xfrm>
+            <a:off x="6891533" y="2355797"/>
+            <a:ext cx="2012987" cy="369332"/>
+          </a:xfrm>
+          <a:prstGeom prst="rect">
+            <a:avLst/>
+          </a:prstGeom>
+          <a:noFill/>
+          <a:ln w="38100">
+            <a:solidFill>
+              <a:schemeClr val="tx1"/>
+            </a:solidFill>
+          </a:ln>
+        </p:spPr>
+        <p:txBody>
+          <a:bodyPr wrap="none" rtlCol="0">
+            <a:spAutoFit/>
+          </a:bodyPr>
+          <a:lstStyle/>
+          <a:p>
+            <a:r>
+              <a:rPr lang="en-US" dirty="0"/>
+              <a:t>Frequency Service</a:t>
+            </a:r>
+          </a:p>
+        </p:txBody>
+      </p:sp>
+      <p:sp>
+        <p:nvSpPr>
+          <p:cNvPr id="7" name="TextBox 6">
+            <a:extLst>
+              <a:ext uri="{FF2B5EF4-FFF2-40B4-BE49-F238E27FC236}">
+                <a16:creationId xmlns:a16="http://schemas.microsoft.com/office/drawing/2014/main" id="{E1619E6C-59E1-17FD-6570-840628CC4E76}"/>
+              </a:ext>
+            </a:extLst>
+          </p:cNvPr>
+          <p:cNvSpPr txBox="1"/>
+          <p:nvPr/>
+        </p:nvSpPr>
+        <p:spPr>
+          <a:xfrm>
+            <a:off x="3652484" y="2355797"/>
+            <a:ext cx="1540806" cy="369332"/>
+          </a:xfrm>
+          <a:prstGeom prst="rect">
+            <a:avLst/>
+          </a:prstGeom>
+          <a:noFill/>
+          <a:ln w="38100">
+            <a:solidFill>
+              <a:schemeClr val="tx1"/>
+            </a:solidFill>
+          </a:ln>
+        </p:spPr>
+        <p:txBody>
+          <a:bodyPr wrap="none" rtlCol="0">
+            <a:spAutoFit/>
+          </a:bodyPr>
+          <a:lstStyle/>
+          <a:p>
+            <a:r>
+              <a:rPr lang="en-US" dirty="0"/>
+              <a:t>Radio Service</a:t>
+            </a:r>
+          </a:p>
+        </p:txBody>
+      </p:sp>
+      <p:cxnSp>
+        <p:nvCxnSpPr>
+          <p:cNvPr id="9" name="Straight Arrow Connector 8">
+            <a:extLst>
+              <a:ext uri="{FF2B5EF4-FFF2-40B4-BE49-F238E27FC236}">
+                <a16:creationId xmlns:a16="http://schemas.microsoft.com/office/drawing/2014/main" id="{4582D08C-99E4-5468-7D5A-0B953D4935A4}"/>
+              </a:ext>
+            </a:extLst>
+          </p:cNvPr>
+          <p:cNvCxnSpPr>
+            <a:stCxn id="6" idx="2"/>
+            <a:endCxn id="4" idx="0"/>
+          </p:cNvCxnSpPr>
+          <p:nvPr/>
+        </p:nvCxnSpPr>
+        <p:spPr>
+          <a:xfrm>
+            <a:off x="7898027" y="2725129"/>
+            <a:ext cx="0" cy="1008671"/>
+          </a:xfrm>
+          <a:prstGeom prst="straightConnector1">
+            <a:avLst/>
+          </a:prstGeom>
+          <a:ln w="76200">
+            <a:solidFill>
+              <a:schemeClr val="tx1"/>
+            </a:solidFill>
+            <a:tailEnd type="triangle"/>
+          </a:ln>
+        </p:spPr>
+        <p:style>
+          <a:lnRef idx="2">
+            <a:schemeClr val="accent1"/>
+          </a:lnRef>
+          <a:fillRef idx="0">
+            <a:schemeClr val="accent1"/>
+          </a:fillRef>
+          <a:effectRef idx="1">
+            <a:schemeClr val="accent1"/>
+          </a:effectRef>
+          <a:fontRef idx="minor">
+            <a:schemeClr val="tx1"/>
+          </a:fontRef>
+        </p:style>
+      </p:cxnSp>
+      <p:cxnSp>
+        <p:nvCxnSpPr>
+          <p:cNvPr id="10" name="Straight Arrow Connector 9">
+            <a:extLst>
+              <a:ext uri="{FF2B5EF4-FFF2-40B4-BE49-F238E27FC236}">
+                <a16:creationId xmlns:a16="http://schemas.microsoft.com/office/drawing/2014/main" id="{ECE0249D-EC20-FCF7-B12F-BFE51556A2F0}"/>
+              </a:ext>
+            </a:extLst>
+          </p:cNvPr>
+          <p:cNvCxnSpPr>
+            <a:cxnSpLocks/>
+            <a:stCxn id="5" idx="3"/>
+            <a:endCxn id="4" idx="1"/>
+          </p:cNvCxnSpPr>
+          <p:nvPr/>
+        </p:nvCxnSpPr>
+        <p:spPr>
+          <a:xfrm>
+            <a:off x="5284694" y="3918466"/>
+            <a:ext cx="1759573" cy="0"/>
+          </a:xfrm>
+          <a:prstGeom prst="straightConnector1">
+            <a:avLst/>
+          </a:prstGeom>
+          <a:ln w="76200">
+            <a:solidFill>
+              <a:schemeClr val="tx1"/>
+            </a:solidFill>
+            <a:tailEnd type="triangle"/>
+          </a:ln>
+        </p:spPr>
+        <p:style>
+          <a:lnRef idx="2">
+            <a:schemeClr val="accent1"/>
+          </a:lnRef>
+          <a:fillRef idx="0">
+            <a:schemeClr val="accent1"/>
+          </a:fillRef>
+          <a:effectRef idx="1">
+            <a:schemeClr val="accent1"/>
+          </a:effectRef>
+          <a:fontRef idx="minor">
+            <a:schemeClr val="tx1"/>
+          </a:fontRef>
+        </p:style>
+      </p:cxnSp>
+      <p:sp>
+        <p:nvSpPr>
+          <p:cNvPr id="16" name="TextBox 15">
+            <a:extLst>
+              <a:ext uri="{FF2B5EF4-FFF2-40B4-BE49-F238E27FC236}">
+                <a16:creationId xmlns:a16="http://schemas.microsoft.com/office/drawing/2014/main" id="{AE89AB75-FB7B-0183-8619-C04D261DCE7A}"/>
+              </a:ext>
+            </a:extLst>
+          </p:cNvPr>
+          <p:cNvSpPr txBox="1"/>
+          <p:nvPr/>
+        </p:nvSpPr>
+        <p:spPr>
+          <a:xfrm>
+            <a:off x="5105758" y="3212888"/>
+            <a:ext cx="1927835" cy="646331"/>
+          </a:xfrm>
+          <a:prstGeom prst="rect">
+            <a:avLst/>
+          </a:prstGeom>
+          <a:noFill/>
+        </p:spPr>
+        <p:txBody>
+          <a:bodyPr wrap="none" rtlCol="0">
+            <a:spAutoFit/>
+          </a:bodyPr>
+          <a:lstStyle/>
+          <a:p>
+            <a:pPr algn="ctr"/>
+            <a:r>
+              <a:rPr lang="en-US" dirty="0"/>
+              <a:t>Update displayed</a:t>
+            </a:r>
+          </a:p>
+          <a:p>
+            <a:pPr algn="ctr"/>
+            <a:r>
+              <a:rPr lang="en-US" dirty="0"/>
+              <a:t>volume</a:t>
+            </a:r>
+          </a:p>
+        </p:txBody>
+      </p:sp>
+      <p:sp>
+        <p:nvSpPr>
+          <p:cNvPr id="17" name="TextBox 16">
+            <a:extLst>
+              <a:ext uri="{FF2B5EF4-FFF2-40B4-BE49-F238E27FC236}">
+                <a16:creationId xmlns:a16="http://schemas.microsoft.com/office/drawing/2014/main" id="{351E941B-56DE-5C2D-D01C-F5156E815B57}"/>
+              </a:ext>
+            </a:extLst>
+          </p:cNvPr>
+          <p:cNvSpPr txBox="1"/>
+          <p:nvPr/>
+        </p:nvSpPr>
+        <p:spPr>
+          <a:xfrm>
+            <a:off x="7975089" y="2825465"/>
+            <a:ext cx="1927835" cy="646331"/>
+          </a:xfrm>
+          <a:prstGeom prst="rect">
+            <a:avLst/>
+          </a:prstGeom>
+          <a:noFill/>
+        </p:spPr>
+        <p:txBody>
+          <a:bodyPr wrap="none" rtlCol="0">
+            <a:spAutoFit/>
+          </a:bodyPr>
+          <a:lstStyle/>
+          <a:p>
+            <a:pPr algn="ctr"/>
+            <a:r>
+              <a:rPr lang="en-US" dirty="0"/>
+              <a:t>Update displayed</a:t>
+            </a:r>
+          </a:p>
+          <a:p>
+            <a:pPr algn="ctr"/>
+            <a:r>
+              <a:rPr lang="en-US" dirty="0"/>
+              <a:t>frequency</a:t>
+            </a:r>
+          </a:p>
+        </p:txBody>
+      </p:sp>
+      <p:cxnSp>
+        <p:nvCxnSpPr>
+          <p:cNvPr id="18" name="Straight Arrow Connector 17">
+            <a:extLst>
+              <a:ext uri="{FF2B5EF4-FFF2-40B4-BE49-F238E27FC236}">
+                <a16:creationId xmlns:a16="http://schemas.microsoft.com/office/drawing/2014/main" id="{11E27BF2-7F14-6D4C-4A7A-F3126BC6481A}"/>
+              </a:ext>
+            </a:extLst>
+          </p:cNvPr>
+          <p:cNvCxnSpPr>
+            <a:cxnSpLocks/>
+            <a:stCxn id="6" idx="1"/>
+            <a:endCxn id="7" idx="3"/>
+          </p:cNvCxnSpPr>
+          <p:nvPr/>
+        </p:nvCxnSpPr>
+        <p:spPr>
+          <a:xfrm flipH="1">
+            <a:off x="5193290" y="2540463"/>
+            <a:ext cx="1698243" cy="0"/>
+          </a:xfrm>
+          <a:prstGeom prst="straightConnector1">
+            <a:avLst/>
+          </a:prstGeom>
+          <a:ln w="76200">
+            <a:solidFill>
+              <a:schemeClr val="tx1"/>
+            </a:solidFill>
+            <a:tailEnd type="triangle"/>
+          </a:ln>
+        </p:spPr>
+        <p:style>
+          <a:lnRef idx="2">
+            <a:schemeClr val="accent1"/>
+          </a:lnRef>
+          <a:fillRef idx="0">
+            <a:schemeClr val="accent1"/>
+          </a:fillRef>
+          <a:effectRef idx="1">
+            <a:schemeClr val="accent1"/>
+          </a:effectRef>
+          <a:fontRef idx="minor">
+            <a:schemeClr val="tx1"/>
+          </a:fontRef>
+        </p:style>
+      </p:cxnSp>
+      <p:cxnSp>
+        <p:nvCxnSpPr>
+          <p:cNvPr id="21" name="Straight Arrow Connector 20">
+            <a:extLst>
+              <a:ext uri="{FF2B5EF4-FFF2-40B4-BE49-F238E27FC236}">
+                <a16:creationId xmlns:a16="http://schemas.microsoft.com/office/drawing/2014/main" id="{EFB4F294-01EA-E0EA-56FD-FB721EB15A61}"/>
+              </a:ext>
+            </a:extLst>
+          </p:cNvPr>
+          <p:cNvCxnSpPr>
+            <a:cxnSpLocks/>
+            <a:stCxn id="5" idx="0"/>
+            <a:endCxn id="7" idx="2"/>
+          </p:cNvCxnSpPr>
+          <p:nvPr/>
+        </p:nvCxnSpPr>
+        <p:spPr>
+          <a:xfrm flipH="1" flipV="1">
+            <a:off x="4422887" y="2725129"/>
+            <a:ext cx="1" cy="1008671"/>
+          </a:xfrm>
+          <a:prstGeom prst="straightConnector1">
+            <a:avLst/>
+          </a:prstGeom>
+          <a:ln w="76200">
+            <a:solidFill>
+              <a:schemeClr val="tx1"/>
+            </a:solidFill>
+            <a:tailEnd type="triangle"/>
+          </a:ln>
+        </p:spPr>
+        <p:style>
+          <a:lnRef idx="2">
+            <a:schemeClr val="accent1"/>
+          </a:lnRef>
+          <a:fillRef idx="0">
+            <a:schemeClr val="accent1"/>
+          </a:fillRef>
+          <a:effectRef idx="1">
+            <a:schemeClr val="accent1"/>
+          </a:effectRef>
+          <a:fontRef idx="minor">
+            <a:schemeClr val="tx1"/>
+          </a:fontRef>
+        </p:style>
+      </p:cxnSp>
+      <p:sp>
+        <p:nvSpPr>
+          <p:cNvPr id="24" name="TextBox 23">
+            <a:extLst>
+              <a:ext uri="{FF2B5EF4-FFF2-40B4-BE49-F238E27FC236}">
+                <a16:creationId xmlns:a16="http://schemas.microsoft.com/office/drawing/2014/main" id="{901C4AAC-0C98-54B8-CDAB-D8C6215ED99D}"/>
+              </a:ext>
+            </a:extLst>
+          </p:cNvPr>
+          <p:cNvSpPr txBox="1"/>
+          <p:nvPr/>
+        </p:nvSpPr>
+        <p:spPr>
+          <a:xfrm>
+            <a:off x="2577554" y="2922875"/>
+            <a:ext cx="1469826" cy="646331"/>
+          </a:xfrm>
+          <a:prstGeom prst="rect">
+            <a:avLst/>
+          </a:prstGeom>
+          <a:noFill/>
+        </p:spPr>
+        <p:txBody>
+          <a:bodyPr wrap="none" rtlCol="0">
+            <a:spAutoFit/>
+          </a:bodyPr>
+          <a:lstStyle/>
+          <a:p>
+            <a:pPr algn="ctr"/>
+            <a:r>
+              <a:rPr lang="en-US" dirty="0"/>
+              <a:t>Update radio</a:t>
+            </a:r>
+          </a:p>
+          <a:p>
+            <a:pPr algn="ctr"/>
+            <a:r>
+              <a:rPr lang="en-US" dirty="0"/>
+              <a:t>volume</a:t>
+            </a:r>
+          </a:p>
+        </p:txBody>
+      </p:sp>
+      <p:sp>
+        <p:nvSpPr>
+          <p:cNvPr id="25" name="TextBox 24">
+            <a:extLst>
+              <a:ext uri="{FF2B5EF4-FFF2-40B4-BE49-F238E27FC236}">
+                <a16:creationId xmlns:a16="http://schemas.microsoft.com/office/drawing/2014/main" id="{BC1E53F8-D2D9-CE20-2205-4CF1C77148B5}"/>
+              </a:ext>
+            </a:extLst>
+          </p:cNvPr>
+          <p:cNvSpPr txBox="1"/>
+          <p:nvPr/>
+        </p:nvSpPr>
+        <p:spPr>
+          <a:xfrm>
+            <a:off x="5361087" y="1788752"/>
+            <a:ext cx="1469826" cy="646331"/>
+          </a:xfrm>
+          <a:prstGeom prst="rect">
+            <a:avLst/>
+          </a:prstGeom>
+          <a:noFill/>
+        </p:spPr>
+        <p:txBody>
+          <a:bodyPr wrap="none" rtlCol="0">
+            <a:spAutoFit/>
+          </a:bodyPr>
+          <a:lstStyle/>
+          <a:p>
+            <a:pPr algn="ctr"/>
+            <a:r>
+              <a:rPr lang="en-US" dirty="0"/>
+              <a:t>Update radio</a:t>
+            </a:r>
+          </a:p>
+          <a:p>
+            <a:pPr algn="ctr"/>
+            <a:r>
+              <a:rPr lang="en-US" dirty="0"/>
+              <a:t>frequency</a:t>
+            </a:r>
+          </a:p>
+        </p:txBody>
+      </p:sp>
+    </p:spTree>
+    <p:extLst>
+      <p:ext uri="{BB962C8B-B14F-4D97-AF65-F5344CB8AC3E}">
+        <p14:creationId xmlns:p14="http://schemas.microsoft.com/office/powerpoint/2010/main" val="1879230094"/>
+      </p:ext>
+    </p:extLst>
+  </p:cSld>
+  <p:clrMapOvr>
+    <a:masterClrMapping/>
+  </p:clrMapOvr>
+</p:sld>
+</file>
+
+<file path=ppt/slides/slide3.xml><?xml version="1.0" encoding="utf-8"?>
+<p:sld xmlns:a="http://schemas.openxmlformats.org/drawingml/2006/main" xmlns:r="http://schemas.openxmlformats.org/officeDocument/2006/relationships" xmlns:p="http://schemas.openxmlformats.org/presentationml/2006/main">
+  <p:cSld>
+    <p:spTree>
+      <p:nvGrpSpPr>
+        <p:cNvPr id="1" name=""/>
+        <p:cNvGrpSpPr/>
+        <p:nvPr/>
+      </p:nvGrpSpPr>
+      <p:grpSpPr>
+        <a:xfrm>
+          <a:off x="0" y="0"/>
+          <a:ext cx="0" cy="0"/>
+          <a:chOff x="0" y="0"/>
+          <a:chExt cx="0" cy="0"/>
+        </a:xfrm>
+      </p:grpSpPr>
       <p:pic>
         <p:nvPicPr>
           <p:cNvPr id="49" name="Picture 48">
@@ -4937,7 +5488,7 @@
 </p:sld>
 </file>
 
-<file path=ppt/slides/slide3.xml><?xml version="1.0" encoding="utf-8"?>
+<file path=ppt/slides/slide4.xml><?xml version="1.0" encoding="utf-8"?>
 <p:sld xmlns:a="http://schemas.openxmlformats.org/drawingml/2006/main" xmlns:r="http://schemas.openxmlformats.org/officeDocument/2006/relationships" xmlns:p="http://schemas.openxmlformats.org/presentationml/2006/main">
   <p:cSld>
     <p:spTree>
@@ -5460,7 +6011,7 @@
 </p:sld>
 </file>
 
-<file path=ppt/slides/slide4.xml><?xml version="1.0" encoding="utf-8"?>
+<file path=ppt/slides/slide5.xml><?xml version="1.0" encoding="utf-8"?>
 <p:sld xmlns:a="http://schemas.openxmlformats.org/drawingml/2006/main" xmlns:r="http://schemas.openxmlformats.org/officeDocument/2006/relationships" xmlns:p="http://schemas.openxmlformats.org/presentationml/2006/main">
   <p:cSld>
     <p:spTree>

--- a/images/image editor.pptx
+++ b/images/image editor.pptx
@@ -4450,6 +4450,60 @@
           <a:chExt cx="0" cy="0"/>
         </a:xfrm>
       </p:grpSpPr>
+      <p:sp>
+        <p:nvSpPr>
+          <p:cNvPr id="2" name="Rectangle 1">
+            <a:extLst>
+              <a:ext uri="{FF2B5EF4-FFF2-40B4-BE49-F238E27FC236}">
+                <a16:creationId xmlns:a16="http://schemas.microsoft.com/office/drawing/2014/main" id="{4A227856-1C13-C475-C9ED-6B8FC3708332}"/>
+              </a:ext>
+            </a:extLst>
+          </p:cNvPr>
+          <p:cNvSpPr/>
+          <p:nvPr/>
+        </p:nvSpPr>
+        <p:spPr>
+          <a:xfrm>
+            <a:off x="2514600" y="1684867"/>
+            <a:ext cx="7388324" cy="2827866"/>
+          </a:xfrm>
+          <a:prstGeom prst="rect">
+            <a:avLst/>
+          </a:prstGeom>
+          <a:solidFill>
+            <a:schemeClr val="bg1"/>
+          </a:solidFill>
+          <a:ln>
+            <a:solidFill>
+              <a:schemeClr val="bg1"/>
+            </a:solidFill>
+          </a:ln>
+        </p:spPr>
+        <p:style>
+          <a:lnRef idx="2">
+            <a:schemeClr val="accent1">
+              <a:shade val="15000"/>
+            </a:schemeClr>
+          </a:lnRef>
+          <a:fillRef idx="1">
+            <a:schemeClr val="accent1"/>
+          </a:fillRef>
+          <a:effectRef idx="0">
+            <a:schemeClr val="accent1"/>
+          </a:effectRef>
+          <a:fontRef idx="minor">
+            <a:schemeClr val="lt1"/>
+          </a:fontRef>
+        </p:style>
+        <p:txBody>
+          <a:bodyPr rtlCol="0" anchor="ctr"/>
+          <a:lstStyle/>
+          <a:p>
+            <a:pPr algn="ctr"/>
+            <a:endParaRPr lang="en-US"/>
+          </a:p>
+        </p:txBody>
+      </p:sp>
       <p:sp>
         <p:nvSpPr>
           <p:cNvPr id="4" name="TextBox 3">
